--- a/proposal.pptx
+++ b/proposal.pptx
@@ -11515,12 +11515,12 @@
 </file>
 
 <file path=customXml/item1.xml><?xml version="1.0" encoding="utf-8"?>
-<p:properties xmlns:p="http://schemas.microsoft.com/office/2006/metadata/properties" xmlns:xsi="http://www.w3.org/2001/XMLSchema-instance" xmlns:pc="http://schemas.microsoft.com/office/infopath/2007/PartnerControls">
-  <documentManagement>
-    <_ip_UnifiedCompliancePolicyUIAction xmlns="http://schemas.microsoft.com/sharepoint/v3" xsi:nil="true"/>
-    <_ip_UnifiedCompliancePolicyProperties xmlns="http://schemas.microsoft.com/sharepoint/v3" xsi:nil="true"/>
-  </documentManagement>
-</p:properties>
+<?mso-contentType ?>
+<FormTemplates xmlns="http://schemas.microsoft.com/sharepoint/v3/contenttype/forms">
+  <Display>DocumentLibraryForm</Display>
+  <Edit>DocumentLibraryForm</Edit>
+  <New>DocumentLibraryForm</New>
+</FormTemplates>
 </file>
 
 <file path=customXml/item2.xml><?xml version="1.0" encoding="utf-8"?>
@@ -11732,28 +11732,18 @@
 </file>
 
 <file path=customXml/item3.xml><?xml version="1.0" encoding="utf-8"?>
-<?mso-contentType ?>
-<FormTemplates xmlns="http://schemas.microsoft.com/sharepoint/v3/contenttype/forms">
-  <Display>DocumentLibraryForm</Display>
-  <Edit>DocumentLibraryForm</Edit>
-  <New>DocumentLibraryForm</New>
-</FormTemplates>
+<p:properties xmlns:p="http://schemas.microsoft.com/office/2006/metadata/properties" xmlns:xsi="http://www.w3.org/2001/XMLSchema-instance" xmlns:pc="http://schemas.microsoft.com/office/infopath/2007/PartnerControls">
+  <documentManagement>
+    <_ip_UnifiedCompliancePolicyUIAction xmlns="http://schemas.microsoft.com/sharepoint/v3" xsi:nil="true"/>
+    <_ip_UnifiedCompliancePolicyProperties xmlns="http://schemas.microsoft.com/sharepoint/v3" xsi:nil="true"/>
+  </documentManagement>
+</p:properties>
 </file>
 
 <file path=customXml/itemProps1.xml><?xml version="1.0" encoding="utf-8"?>
-<ds:datastoreItem xmlns:ds="http://schemas.openxmlformats.org/officeDocument/2006/customXml" ds:itemID="{E4934E25-8442-49E9-ABDF-3146C4145F3B}">
+<ds:datastoreItem xmlns:ds="http://schemas.openxmlformats.org/officeDocument/2006/customXml" ds:itemID="{F6CB1848-D3E0-4F10-B640-720BE758B85B}">
   <ds:schemaRefs>
-    <ds:schemaRef ds:uri="6dc4bcd6-49db-4c07-9060-8acfc67cef9f"/>
-    <ds:schemaRef ds:uri="http://schemas.microsoft.com/office/2006/documentManagement/types"/>
-    <ds:schemaRef ds:uri="http://purl.org/dc/dcmitype/"/>
-    <ds:schemaRef ds:uri="http://purl.org/dc/elements/1.1/"/>
-    <ds:schemaRef ds:uri="http://schemas.microsoft.com/office/infopath/2007/PartnerControls"/>
-    <ds:schemaRef ds:uri="http://schemas.openxmlformats.org/package/2006/metadata/core-properties"/>
-    <ds:schemaRef ds:uri="fb0879af-3eba-417a-a55a-ffe6dcd6ca77"/>
-    <ds:schemaRef ds:uri="http://schemas.microsoft.com/sharepoint/v3"/>
-    <ds:schemaRef ds:uri="http://schemas.microsoft.com/office/2006/metadata/properties"/>
-    <ds:schemaRef ds:uri="http://www.w3.org/XML/1998/namespace"/>
-    <ds:schemaRef ds:uri="http://purl.org/dc/terms/"/>
+    <ds:schemaRef ds:uri="http://schemas.microsoft.com/sharepoint/v3/contenttype/forms"/>
   </ds:schemaRefs>
 </ds:datastoreItem>
 </file>
@@ -11779,9 +11769,19 @@
 </file>
 
 <file path=customXml/itemProps3.xml><?xml version="1.0" encoding="utf-8"?>
-<ds:datastoreItem xmlns:ds="http://schemas.openxmlformats.org/officeDocument/2006/customXml" ds:itemID="{F6CB1848-D3E0-4F10-B640-720BE758B85B}">
+<ds:datastoreItem xmlns:ds="http://schemas.openxmlformats.org/officeDocument/2006/customXml" ds:itemID="{E4934E25-8442-49E9-ABDF-3146C4145F3B}">
   <ds:schemaRefs>
-    <ds:schemaRef ds:uri="http://schemas.microsoft.com/sharepoint/v3/contenttype/forms"/>
+    <ds:schemaRef ds:uri="http://schemas.microsoft.com/sharepoint/v3"/>
+    <ds:schemaRef ds:uri="http://purl.org/dc/dcmitype/"/>
+    <ds:schemaRef ds:uri="http://purl.org/dc/terms/"/>
+    <ds:schemaRef ds:uri="fb0879af-3eba-417a-a55a-ffe6dcd6ca77"/>
+    <ds:schemaRef ds:uri="http://purl.org/dc/elements/1.1/"/>
+    <ds:schemaRef ds:uri="http://schemas.microsoft.com/office/2006/metadata/properties"/>
+    <ds:schemaRef ds:uri="http://schemas.microsoft.com/office/infopath/2007/PartnerControls"/>
+    <ds:schemaRef ds:uri="http://schemas.microsoft.com/office/2006/documentManagement/types"/>
+    <ds:schemaRef ds:uri="http://schemas.openxmlformats.org/package/2006/metadata/core-properties"/>
+    <ds:schemaRef ds:uri="6dc4bcd6-49db-4c07-9060-8acfc67cef9f"/>
+    <ds:schemaRef ds:uri="http://www.w3.org/XML/1998/namespace"/>
   </ds:schemaRefs>
 </ds:datastoreItem>
 </file>
--- a/proposal.pptx
+++ b/proposal.pptx
@@ -5,10 +5,10 @@
     <p:sldMasterId id="2147483648" r:id="rId4"/>
   </p:sldMasterIdLst>
   <p:notesMasterIdLst>
-    <p:notesMasterId r:id="rId12"/>
+    <p:notesMasterId r:id="rId13"/>
   </p:notesMasterIdLst>
   <p:handoutMasterIdLst>
-    <p:handoutMasterId r:id="rId13"/>
+    <p:handoutMasterId r:id="rId14"/>
   </p:handoutMasterIdLst>
   <p:sldIdLst>
     <p:sldId id="282" r:id="rId5"/>
@@ -18,6 +18,7 @@
     <p:sldId id="297" r:id="rId9"/>
     <p:sldId id="300" r:id="rId10"/>
     <p:sldId id="301" r:id="rId11"/>
+    <p:sldId id="302" r:id="rId12"/>
   </p:sldIdLst>
   <p:sldSz cx="12192000" cy="6858000"/>
   <p:notesSz cx="6858000" cy="9144000"/>
@@ -128,6 +129,7 @@
             <p14:sldId id="297"/>
             <p14:sldId id="300"/>
             <p14:sldId id="301"/>
+            <p14:sldId id="302"/>
           </p14:sldIdLst>
         </p14:section>
       </p14:sectionLst>
@@ -248,7 +250,7 @@
             <a:fld id="{EF1077DB-935E-4A0A-947A-D283B9F9F452}" type="datetimeFigureOut">
               <a:rPr lang="en-ZA" smtClean="0"/>
               <a:pPr/>
-              <a:t>2018/09/29</a:t>
+              <a:t>2018/10/23</a:t>
             </a:fld>
             <a:endParaRPr lang="en-ZA" dirty="0"/>
           </a:p>
@@ -427,7 +429,7 @@
             <a:fld id="{2D9EC30E-1A71-4188-9BE7-E2A64929A436}" type="datetimeFigureOut">
               <a:rPr lang="en-ZA" smtClean="0"/>
               <a:pPr/>
-              <a:t>2018/09/29</a:t>
+              <a:t>2018/10/23</a:t>
             </a:fld>
             <a:endParaRPr lang="en-ZA" dirty="0"/>
           </a:p>
@@ -9968,13 +9970,40 @@
           <a:p>
             <a:r>
               <a:rPr lang="en-IN" sz="2400" dirty="0"/>
-              <a:t> Methods in </a:t>
+              <a:t> Steganography in image spatial domain </a:t>
+            </a:r>
+          </a:p>
+          <a:p>
+            <a:pPr lvl="1"/>
+            <a:r>
+              <a:rPr lang="en-US" sz="2200" dirty="0"/>
+              <a:t>L</a:t>
+            </a:r>
+            <a:r>
+              <a:rPr lang="en-IN" sz="2200" dirty="0"/>
+              <a:t>east significant bit substitution</a:t>
+            </a:r>
+          </a:p>
+          <a:p>
+            <a:endParaRPr lang="en-IN" sz="2400" dirty="0"/>
+          </a:p>
+          <a:p>
+            <a:r>
+              <a:rPr lang="en-IN" sz="2400" dirty="0"/>
+              <a:t>Methods in </a:t>
             </a:r>
             <a:r>
               <a:rPr lang="en-US" sz="2400" dirty="0"/>
               <a:t>Adaptive Steganography</a:t>
             </a:r>
-            <a:endParaRPr lang="en-IN" sz="2400" dirty="0"/>
+          </a:p>
+          <a:p>
+            <a:pPr lvl="1"/>
+            <a:r>
+              <a:rPr lang="en-US" sz="2200" dirty="0"/>
+              <a:t>Pixel Value Difference method</a:t>
+            </a:r>
+            <a:endParaRPr lang="en-IN" sz="2200" dirty="0"/>
           </a:p>
           <a:p>
             <a:endParaRPr lang="en-IN" sz="2000" dirty="0"/>
@@ -10062,13 +10091,18 @@
           <a:p>
             <a:r>
               <a:rPr lang="en-IN" sz="2400" dirty="0"/>
-              <a:t>Steganography in image spatial domain</a:t>
-            </a:r>
-          </a:p>
-          <a:p>
-            <a:r>
-              <a:rPr lang="en-IN" sz="2400" dirty="0"/>
               <a:t>Steganography in image frequency domain</a:t>
+            </a:r>
+          </a:p>
+          <a:p>
+            <a:pPr lvl="1"/>
+            <a:r>
+              <a:rPr lang="en-US" sz="2200" dirty="0"/>
+              <a:t>Using D</a:t>
+            </a:r>
+            <a:r>
+              <a:rPr lang="en-IN" sz="2200" dirty="0"/>
+              <a:t>CT transform</a:t>
             </a:r>
           </a:p>
         </p:txBody>
@@ -10681,6 +10715,235 @@
     <p:extLst>
       <p:ext uri="{BB962C8B-B14F-4D97-AF65-F5344CB8AC3E}">
         <p14:creationId xmlns:p14="http://schemas.microsoft.com/office/powerpoint/2010/main" val="381066284"/>
+      </p:ext>
+    </p:extLst>
+  </p:cSld>
+  <p:clrMapOvr>
+    <a:masterClrMapping/>
+  </p:clrMapOvr>
+</p:sld>
+</file>
+
+<file path=ppt/slides/slide8.xml><?xml version="1.0" encoding="utf-8"?>
+<p:sld xmlns:a="http://schemas.openxmlformats.org/drawingml/2006/main" xmlns:r="http://schemas.openxmlformats.org/officeDocument/2006/relationships" xmlns:p="http://schemas.openxmlformats.org/presentationml/2006/main">
+  <p:cSld>
+    <p:spTree>
+      <p:nvGrpSpPr>
+        <p:cNvPr id="1" name=""/>
+        <p:cNvGrpSpPr/>
+        <p:nvPr/>
+      </p:nvGrpSpPr>
+      <p:grpSpPr>
+        <a:xfrm>
+          <a:off x="0" y="0"/>
+          <a:ext cx="0" cy="0"/>
+          <a:chOff x="0" y="0"/>
+          <a:chExt cx="0" cy="0"/>
+        </a:xfrm>
+      </p:grpSpPr>
+      <p:sp>
+        <p:nvSpPr>
+          <p:cNvPr id="2" name="Title 1">
+            <a:extLst>
+              <a:ext uri="{FF2B5EF4-FFF2-40B4-BE49-F238E27FC236}">
+                <a16:creationId xmlns:a16="http://schemas.microsoft.com/office/drawing/2014/main" id="{AEA5083B-CC27-4F1C-AD03-E3DBEC1C9E78}"/>
+              </a:ext>
+            </a:extLst>
+          </p:cNvPr>
+          <p:cNvSpPr>
+            <a:spLocks noGrp="1"/>
+          </p:cNvSpPr>
+          <p:nvPr>
+            <p:ph type="title"/>
+          </p:nvPr>
+        </p:nvSpPr>
+        <p:spPr>
+          <a:xfrm>
+            <a:off x="432000" y="1108275"/>
+            <a:ext cx="9131100" cy="432000"/>
+          </a:xfrm>
+        </p:spPr>
+        <p:txBody>
+          <a:bodyPr/>
+          <a:lstStyle/>
+          <a:p>
+            <a:r>
+              <a:rPr lang="en-ZA" dirty="0"/>
+              <a:t>References</a:t>
+            </a:r>
+          </a:p>
+        </p:txBody>
+      </p:sp>
+      <p:pic>
+        <p:nvPicPr>
+          <p:cNvPr id="7" name="Picture Placeholder 9" descr="Abstract architecture polygon">
+            <a:extLst>
+              <a:ext uri="{FF2B5EF4-FFF2-40B4-BE49-F238E27FC236}">
+                <a16:creationId xmlns:a16="http://schemas.microsoft.com/office/drawing/2014/main" id="{F178827F-054F-4AF6-A616-BC78086A557A}"/>
+              </a:ext>
+            </a:extLst>
+          </p:cNvPr>
+          <p:cNvPicPr>
+            <a:picLocks noChangeAspect="1"/>
+          </p:cNvPicPr>
+          <p:nvPr/>
+        </p:nvPicPr>
+        <p:blipFill>
+          <a:blip r:embed="rId2"/>
+          <a:stretch>
+            <a:fillRect/>
+          </a:stretch>
+        </p:blipFill>
+        <p:spPr>
+          <a:xfrm>
+            <a:off x="9980476" y="0"/>
+            <a:ext cx="2211524" cy="6858000"/>
+          </a:xfrm>
+          <a:prstGeom prst="rect">
+            <a:avLst/>
+          </a:prstGeom>
+        </p:spPr>
+      </p:pic>
+      <p:sp>
+        <p:nvSpPr>
+          <p:cNvPr id="4" name="Content Placeholder 3">
+            <a:extLst>
+              <a:ext uri="{FF2B5EF4-FFF2-40B4-BE49-F238E27FC236}">
+                <a16:creationId xmlns:a16="http://schemas.microsoft.com/office/drawing/2014/main" id="{125E40B9-054F-4D79-BD17-68E71C740D01}"/>
+              </a:ext>
+            </a:extLst>
+          </p:cNvPr>
+          <p:cNvSpPr>
+            <a:spLocks noGrp="1"/>
+          </p:cNvSpPr>
+          <p:nvPr>
+            <p:ph sz="half" idx="1"/>
+          </p:nvPr>
+        </p:nvSpPr>
+        <p:spPr>
+          <a:xfrm>
+            <a:off x="431999" y="2168875"/>
+            <a:ext cx="10438163" cy="3933645"/>
+          </a:xfrm>
+        </p:spPr>
+        <p:txBody>
+          <a:bodyPr/>
+          <a:lstStyle/>
+          <a:p>
+            <a:pPr marL="0" indent="0" algn="just">
+              <a:lnSpc>
+                <a:spcPct val="100000"/>
+              </a:lnSpc>
+              <a:buNone/>
+            </a:pPr>
+            <a:r>
+              <a:rPr lang="en-US" sz="2000" b="1" dirty="0"/>
+              <a:t>LSB: </a:t>
+            </a:r>
+          </a:p>
+          <a:p>
+            <a:pPr marL="0" indent="0" algn="just">
+              <a:lnSpc>
+                <a:spcPct val="100000"/>
+              </a:lnSpc>
+              <a:buNone/>
+            </a:pPr>
+            <a:r>
+              <a:rPr lang="en-US" sz="2000" dirty="0"/>
+              <a:t>	</a:t>
+            </a:r>
+            <a:r>
+              <a:rPr lang="en-US" sz="2000" dirty="0">
+                <a:hlinkClick r:id="rId3"/>
+              </a:rPr>
+              <a:t>Digital image steganography: Survey and analysis of current methods, Abbas </a:t>
+            </a:r>
+            <a:r>
+              <a:rPr lang="en-US" sz="2000" dirty="0" err="1">
+                <a:hlinkClick r:id="rId3"/>
+              </a:rPr>
+              <a:t>Cheddad</a:t>
+            </a:r>
+            <a:r>
+              <a:rPr lang="en-US" sz="2000" dirty="0">
+                <a:hlinkClick r:id="rId3"/>
+              </a:rPr>
+              <a:t>, Joan Condell, Kevin Curran, Paul Mc </a:t>
+            </a:r>
+            <a:r>
+              <a:rPr lang="en-US" sz="2000" dirty="0" err="1">
+                <a:hlinkClick r:id="rId3"/>
+              </a:rPr>
+              <a:t>Kevitt</a:t>
+            </a:r>
+            <a:r>
+              <a:rPr lang="en-US" sz="2000" dirty="0">
+                <a:hlinkClick r:id="rId3"/>
+              </a:rPr>
+              <a:t>.</a:t>
+            </a:r>
+          </a:p>
+          <a:p>
+            <a:pPr marL="0" indent="0" algn="just">
+              <a:lnSpc>
+                <a:spcPct val="100000"/>
+              </a:lnSpc>
+              <a:buNone/>
+            </a:pPr>
+            <a:r>
+              <a:rPr lang="en-ZA" sz="2000" b="1" dirty="0"/>
+              <a:t>PVD:</a:t>
+            </a:r>
+          </a:p>
+          <a:p>
+            <a:pPr marL="0" indent="0" algn="just">
+              <a:lnSpc>
+                <a:spcPct val="100000"/>
+              </a:lnSpc>
+              <a:buNone/>
+            </a:pPr>
+            <a:r>
+              <a:rPr lang="en-ZA" sz="2000" dirty="0"/>
+              <a:t>	</a:t>
+            </a:r>
+            <a:r>
+              <a:rPr lang="en-ZA" sz="2000" dirty="0">
+                <a:hlinkClick r:id="rId4"/>
+              </a:rPr>
+              <a:t>A steganographic method for images by pixel-value differencing, Da-</a:t>
+            </a:r>
+            <a:r>
+              <a:rPr lang="en-ZA" sz="2000" dirty="0" err="1">
+                <a:hlinkClick r:id="rId4"/>
+              </a:rPr>
+              <a:t>ChunWua</a:t>
+            </a:r>
+            <a:r>
+              <a:rPr lang="en-ZA" sz="2000" dirty="0">
+                <a:hlinkClick r:id="rId4"/>
+              </a:rPr>
+              <a:t>, Wen-Hsiang </a:t>
+            </a:r>
+            <a:r>
+              <a:rPr lang="en-ZA" sz="2000" dirty="0" err="1">
+                <a:hlinkClick r:id="rId4"/>
+              </a:rPr>
+              <a:t>Tsaib</a:t>
+            </a:r>
+            <a:r>
+              <a:rPr lang="en-ZA" sz="2000" dirty="0">
+                <a:hlinkClick r:id="rId4"/>
+              </a:rPr>
+              <a:t>.</a:t>
+            </a:r>
+            <a:endParaRPr lang="en-ZA" sz="2000" dirty="0"/>
+          </a:p>
+        </p:txBody>
+      </p:sp>
+    </p:spTree>
+    <p:extLst>
+      <p:ext uri="{BB962C8B-B14F-4D97-AF65-F5344CB8AC3E}">
+        <p14:creationId xmlns:p14="http://schemas.microsoft.com/office/powerpoint/2010/main" val="2284715095"/>
       </p:ext>
     </p:extLst>
   </p:cSld>
@@ -11515,6 +11778,15 @@
 </file>
 
 <file path=customXml/item1.xml><?xml version="1.0" encoding="utf-8"?>
+<?mso-contentType ?>
+<FormTemplates xmlns="http://schemas.microsoft.com/sharepoint/v3/contenttype/forms">
+  <Display>DocumentLibraryForm</Display>
+  <Edit>DocumentLibraryForm</Edit>
+  <New>DocumentLibraryForm</New>
+</FormTemplates>
+</file>
+
+<file path=customXml/item2.xml><?xml version="1.0" encoding="utf-8"?>
 <p:properties xmlns:p="http://schemas.microsoft.com/office/2006/metadata/properties" xmlns:xsi="http://www.w3.org/2001/XMLSchema-instance" xmlns:pc="http://schemas.microsoft.com/office/infopath/2007/PartnerControls">
   <documentManagement>
     <_ip_UnifiedCompliancePolicyUIAction xmlns="http://schemas.microsoft.com/sharepoint/v3" xsi:nil="true"/>
@@ -11523,7 +11795,7 @@
 </p:properties>
 </file>
 
-<file path=customXml/item2.xml><?xml version="1.0" encoding="utf-8"?>
+<file path=customXml/item3.xml><?xml version="1.0" encoding="utf-8"?>
 <ct:contentTypeSchema xmlns:ct="http://schemas.microsoft.com/office/2006/metadata/contentType" xmlns:ma="http://schemas.microsoft.com/office/2006/metadata/properties/metaAttributes" ct:_="" ma:_="" ma:contentTypeName="Document" ma:contentTypeID="0x010100DEEA25CC0A0AC24199CDC46C25B8B0BC" ma:contentTypeVersion="10" ma:contentTypeDescription="Create a new document." ma:contentTypeScope="" ma:versionID="e3b47856d4cf355c0dacb39e1084d14f">
   <xsd:schema xmlns:xsd="http://www.w3.org/2001/XMLSchema" xmlns:xs="http://www.w3.org/2001/XMLSchema" xmlns:p="http://schemas.microsoft.com/office/2006/metadata/properties" xmlns:ns1="http://schemas.microsoft.com/sharepoint/v3" xmlns:ns2="6dc4bcd6-49db-4c07-9060-8acfc67cef9f" xmlns:ns3="fb0879af-3eba-417a-a55a-ffe6dcd6ca77" targetNamespace="http://schemas.microsoft.com/office/2006/metadata/properties" ma:root="true" ma:fieldsID="a845a615265fdb1f7b12cc65ac20ecbd" ns1:_="" ns2:_="" ns3:_="">
     <xsd:import namespace="http://schemas.microsoft.com/sharepoint/v3"/>
@@ -11731,16 +12003,15 @@
 </ct:contentTypeSchema>
 </file>
 
-<file path=customXml/item3.xml><?xml version="1.0" encoding="utf-8"?>
-<?mso-contentType ?>
-<FormTemplates xmlns="http://schemas.microsoft.com/sharepoint/v3/contenttype/forms">
-  <Display>DocumentLibraryForm</Display>
-  <Edit>DocumentLibraryForm</Edit>
-  <New>DocumentLibraryForm</New>
-</FormTemplates>
+<file path=customXml/itemProps1.xml><?xml version="1.0" encoding="utf-8"?>
+<ds:datastoreItem xmlns:ds="http://schemas.openxmlformats.org/officeDocument/2006/customXml" ds:itemID="{F6CB1848-D3E0-4F10-B640-720BE758B85B}">
+  <ds:schemaRefs>
+    <ds:schemaRef ds:uri="http://schemas.microsoft.com/sharepoint/v3/contenttype/forms"/>
+  </ds:schemaRefs>
+</ds:datastoreItem>
 </file>
 
-<file path=customXml/itemProps1.xml><?xml version="1.0" encoding="utf-8"?>
+<file path=customXml/itemProps2.xml><?xml version="1.0" encoding="utf-8"?>
 <ds:datastoreItem xmlns:ds="http://schemas.openxmlformats.org/officeDocument/2006/customXml" ds:itemID="{E4934E25-8442-49E9-ABDF-3146C4145F3B}">
   <ds:schemaRefs>
     <ds:schemaRef ds:uri="6dc4bcd6-49db-4c07-9060-8acfc67cef9f"/>
@@ -11758,7 +12029,7 @@
 </ds:datastoreItem>
 </file>
 
-<file path=customXml/itemProps2.xml><?xml version="1.0" encoding="utf-8"?>
+<file path=customXml/itemProps3.xml><?xml version="1.0" encoding="utf-8"?>
 <ds:datastoreItem xmlns:ds="http://schemas.openxmlformats.org/officeDocument/2006/customXml" ds:itemID="{1BBB5711-29E1-4F8E-81A0-7947C57B208A}">
   <ds:schemaRefs>
     <ds:schemaRef ds:uri="http://schemas.microsoft.com/office/2006/metadata/contentType"/>
@@ -11776,12 +12047,4 @@
     <ds:schemaRef ds:uri="http://schemas.microsoft.com/internal/obd"/>
   </ds:schemaRefs>
 </ds:datastoreItem>
-</file>
-
-<file path=customXml/itemProps3.xml><?xml version="1.0" encoding="utf-8"?>
-<ds:datastoreItem xmlns:ds="http://schemas.openxmlformats.org/officeDocument/2006/customXml" ds:itemID="{F6CB1848-D3E0-4F10-B640-720BE758B85B}">
-  <ds:schemaRefs>
-    <ds:schemaRef ds:uri="http://schemas.microsoft.com/sharepoint/v3/contenttype/forms"/>
-  </ds:schemaRefs>
-</ds:datastoreItem>
 </file>